--- a/Documents/Project report Vero/figures/APA_analysis/axesGWGyro.pptx
+++ b/Documents/Project report Vero/figures/APA_analysis/axesGWGyro.pptx
@@ -7,14 +7,14 @@
   <p:sldIdLst>
     <p:sldId id="256" r:id="rId2"/>
   </p:sldIdLst>
-  <p:sldSz cx="9144000" cy="6858000" type="screen4x3"/>
+  <p:sldSz cx="2879725" cy="3600450"/>
   <p:notesSz cx="6858000" cy="9144000"/>
   <p:defaultTextStyle>
     <a:defPPr>
       <a:defRPr lang="es-ES"/>
     </a:defPPr>
-    <a:lvl1pPr marL="0" algn="l" defTabSz="914400" rtl="0" eaLnBrk="1" latinLnBrk="0" hangingPunct="1">
-      <a:defRPr sz="1800" kern="1200">
+    <a:lvl1pPr marL="0" algn="l" defTabSz="288077" rtl="0" eaLnBrk="1" latinLnBrk="0" hangingPunct="1">
+      <a:defRPr sz="600" kern="1200">
         <a:solidFill>
           <a:schemeClr val="tx1"/>
         </a:solidFill>
@@ -23,8 +23,8 @@
         <a:cs typeface="+mn-cs"/>
       </a:defRPr>
     </a:lvl1pPr>
-    <a:lvl2pPr marL="457200" algn="l" defTabSz="914400" rtl="0" eaLnBrk="1" latinLnBrk="0" hangingPunct="1">
-      <a:defRPr sz="1800" kern="1200">
+    <a:lvl2pPr marL="144039" algn="l" defTabSz="288077" rtl="0" eaLnBrk="1" latinLnBrk="0" hangingPunct="1">
+      <a:defRPr sz="600" kern="1200">
         <a:solidFill>
           <a:schemeClr val="tx1"/>
         </a:solidFill>
@@ -33,8 +33,8 @@
         <a:cs typeface="+mn-cs"/>
       </a:defRPr>
     </a:lvl2pPr>
-    <a:lvl3pPr marL="914400" algn="l" defTabSz="914400" rtl="0" eaLnBrk="1" latinLnBrk="0" hangingPunct="1">
-      <a:defRPr sz="1800" kern="1200">
+    <a:lvl3pPr marL="288077" algn="l" defTabSz="288077" rtl="0" eaLnBrk="1" latinLnBrk="0" hangingPunct="1">
+      <a:defRPr sz="600" kern="1200">
         <a:solidFill>
           <a:schemeClr val="tx1"/>
         </a:solidFill>
@@ -43,8 +43,8 @@
         <a:cs typeface="+mn-cs"/>
       </a:defRPr>
     </a:lvl3pPr>
-    <a:lvl4pPr marL="1371600" algn="l" defTabSz="914400" rtl="0" eaLnBrk="1" latinLnBrk="0" hangingPunct="1">
-      <a:defRPr sz="1800" kern="1200">
+    <a:lvl4pPr marL="432116" algn="l" defTabSz="288077" rtl="0" eaLnBrk="1" latinLnBrk="0" hangingPunct="1">
+      <a:defRPr sz="600" kern="1200">
         <a:solidFill>
           <a:schemeClr val="tx1"/>
         </a:solidFill>
@@ -53,8 +53,8 @@
         <a:cs typeface="+mn-cs"/>
       </a:defRPr>
     </a:lvl4pPr>
-    <a:lvl5pPr marL="1828800" algn="l" defTabSz="914400" rtl="0" eaLnBrk="1" latinLnBrk="0" hangingPunct="1">
-      <a:defRPr sz="1800" kern="1200">
+    <a:lvl5pPr marL="576154" algn="l" defTabSz="288077" rtl="0" eaLnBrk="1" latinLnBrk="0" hangingPunct="1">
+      <a:defRPr sz="600" kern="1200">
         <a:solidFill>
           <a:schemeClr val="tx1"/>
         </a:solidFill>
@@ -63,8 +63,8 @@
         <a:cs typeface="+mn-cs"/>
       </a:defRPr>
     </a:lvl5pPr>
-    <a:lvl6pPr marL="2286000" algn="l" defTabSz="914400" rtl="0" eaLnBrk="1" latinLnBrk="0" hangingPunct="1">
-      <a:defRPr sz="1800" kern="1200">
+    <a:lvl6pPr marL="720193" algn="l" defTabSz="288077" rtl="0" eaLnBrk="1" latinLnBrk="0" hangingPunct="1">
+      <a:defRPr sz="600" kern="1200">
         <a:solidFill>
           <a:schemeClr val="tx1"/>
         </a:solidFill>
@@ -73,8 +73,8 @@
         <a:cs typeface="+mn-cs"/>
       </a:defRPr>
     </a:lvl6pPr>
-    <a:lvl7pPr marL="2743200" algn="l" defTabSz="914400" rtl="0" eaLnBrk="1" latinLnBrk="0" hangingPunct="1">
-      <a:defRPr sz="1800" kern="1200">
+    <a:lvl7pPr marL="864231" algn="l" defTabSz="288077" rtl="0" eaLnBrk="1" latinLnBrk="0" hangingPunct="1">
+      <a:defRPr sz="600" kern="1200">
         <a:solidFill>
           <a:schemeClr val="tx1"/>
         </a:solidFill>
@@ -83,8 +83,8 @@
         <a:cs typeface="+mn-cs"/>
       </a:defRPr>
     </a:lvl7pPr>
-    <a:lvl8pPr marL="3200400" algn="l" defTabSz="914400" rtl="0" eaLnBrk="1" latinLnBrk="0" hangingPunct="1">
-      <a:defRPr sz="1800" kern="1200">
+    <a:lvl8pPr marL="1008270" algn="l" defTabSz="288077" rtl="0" eaLnBrk="1" latinLnBrk="0" hangingPunct="1">
+      <a:defRPr sz="600" kern="1200">
         <a:solidFill>
           <a:schemeClr val="tx1"/>
         </a:solidFill>
@@ -93,8 +93,8 @@
         <a:cs typeface="+mn-cs"/>
       </a:defRPr>
     </a:lvl8pPr>
-    <a:lvl9pPr marL="3657600" algn="l" defTabSz="914400" rtl="0" eaLnBrk="1" latinLnBrk="0" hangingPunct="1">
-      <a:defRPr sz="1800" kern="1200">
+    <a:lvl9pPr marL="1152309" algn="l" defTabSz="288077" rtl="0" eaLnBrk="1" latinLnBrk="0" hangingPunct="1">
+      <a:defRPr sz="600" kern="1200">
         <a:solidFill>
           <a:schemeClr val="tx1"/>
         </a:solidFill>
@@ -136,8 +136,8 @@
         </p:nvSpPr>
         <p:spPr>
           <a:xfrm>
-            <a:off x="685800" y="2130425"/>
-            <a:ext cx="7772400" cy="1470025"/>
+            <a:off x="215981" y="1118474"/>
+            <a:ext cx="2447767" cy="771763"/>
           </a:xfrm>
         </p:spPr>
         <p:txBody>
@@ -164,8 +164,8 @@
         </p:nvSpPr>
         <p:spPr>
           <a:xfrm>
-            <a:off x="1371600" y="3886200"/>
-            <a:ext cx="6400800" cy="1752600"/>
+            <a:off x="431960" y="2040256"/>
+            <a:ext cx="2015808" cy="920115"/>
           </a:xfrm>
         </p:spPr>
         <p:txBody>
@@ -181,7 +181,7 @@
                 </a:solidFill>
               </a:defRPr>
             </a:lvl1pPr>
-            <a:lvl2pPr marL="457200" indent="0" algn="ctr">
+            <a:lvl2pPr marL="144039" indent="0" algn="ctr">
               <a:buNone/>
               <a:defRPr>
                 <a:solidFill>
@@ -191,7 +191,7 @@
                 </a:solidFill>
               </a:defRPr>
             </a:lvl2pPr>
-            <a:lvl3pPr marL="914400" indent="0" algn="ctr">
+            <a:lvl3pPr marL="288077" indent="0" algn="ctr">
               <a:buNone/>
               <a:defRPr>
                 <a:solidFill>
@@ -201,7 +201,7 @@
                 </a:solidFill>
               </a:defRPr>
             </a:lvl3pPr>
-            <a:lvl4pPr marL="1371600" indent="0" algn="ctr">
+            <a:lvl4pPr marL="432116" indent="0" algn="ctr">
               <a:buNone/>
               <a:defRPr>
                 <a:solidFill>
@@ -211,7 +211,7 @@
                 </a:solidFill>
               </a:defRPr>
             </a:lvl4pPr>
-            <a:lvl5pPr marL="1828800" indent="0" algn="ctr">
+            <a:lvl5pPr marL="576154" indent="0" algn="ctr">
               <a:buNone/>
               <a:defRPr>
                 <a:solidFill>
@@ -221,7 +221,7 @@
                 </a:solidFill>
               </a:defRPr>
             </a:lvl5pPr>
-            <a:lvl6pPr marL="2286000" indent="0" algn="ctr">
+            <a:lvl6pPr marL="720193" indent="0" algn="ctr">
               <a:buNone/>
               <a:defRPr>
                 <a:solidFill>
@@ -231,7 +231,7 @@
                 </a:solidFill>
               </a:defRPr>
             </a:lvl6pPr>
-            <a:lvl7pPr marL="2743200" indent="0" algn="ctr">
+            <a:lvl7pPr marL="864231" indent="0" algn="ctr">
               <a:buNone/>
               <a:defRPr>
                 <a:solidFill>
@@ -241,7 +241,7 @@
                 </a:solidFill>
               </a:defRPr>
             </a:lvl7pPr>
-            <a:lvl8pPr marL="3200400" indent="0" algn="ctr">
+            <a:lvl8pPr marL="1008270" indent="0" algn="ctr">
               <a:buNone/>
               <a:defRPr>
                 <a:solidFill>
@@ -251,7 +251,7 @@
                 </a:solidFill>
               </a:defRPr>
             </a:lvl8pPr>
-            <a:lvl9pPr marL="3657600" indent="0" algn="ctr">
+            <a:lvl9pPr marL="1152309" indent="0" algn="ctr">
               <a:buNone/>
               <a:defRPr>
                 <a:solidFill>
@@ -288,7 +288,7 @@
           <a:p>
             <a:fld id="{B8E0604D-D749-4065-A30A-A2AA80102FAA}" type="datetimeFigureOut">
               <a:rPr lang="es-ES" smtClean="0"/>
-              <a:t>13/05/2015</a:t>
+              <a:t>03/07/2015</a:t>
             </a:fld>
             <a:endParaRPr lang="es-ES"/>
           </a:p>
@@ -458,7 +458,7 @@
           <a:p>
             <a:fld id="{B8E0604D-D749-4065-A30A-A2AA80102FAA}" type="datetimeFigureOut">
               <a:rPr lang="es-ES" smtClean="0"/>
-              <a:t>13/05/2015</a:t>
+              <a:t>03/07/2015</a:t>
             </a:fld>
             <a:endParaRPr lang="es-ES"/>
           </a:p>
@@ -548,8 +548,8 @@
         </p:nvSpPr>
         <p:spPr>
           <a:xfrm>
-            <a:off x="6629400" y="274638"/>
-            <a:ext cx="2057400" cy="5851525"/>
+            <a:off x="2087801" y="144185"/>
+            <a:ext cx="647938" cy="3072051"/>
           </a:xfrm>
         </p:spPr>
         <p:txBody>
@@ -576,8 +576,8 @@
         </p:nvSpPr>
         <p:spPr>
           <a:xfrm>
-            <a:off x="457200" y="274638"/>
-            <a:ext cx="6019800" cy="5851525"/>
+            <a:off x="143988" y="144185"/>
+            <a:ext cx="1895818" cy="3072051"/>
           </a:xfrm>
         </p:spPr>
         <p:txBody>
@@ -638,7 +638,7 @@
           <a:p>
             <a:fld id="{B8E0604D-D749-4065-A30A-A2AA80102FAA}" type="datetimeFigureOut">
               <a:rPr lang="es-ES" smtClean="0"/>
-              <a:t>13/05/2015</a:t>
+              <a:t>03/07/2015</a:t>
             </a:fld>
             <a:endParaRPr lang="es-ES"/>
           </a:p>
@@ -808,7 +808,7 @@
           <a:p>
             <a:fld id="{B8E0604D-D749-4065-A30A-A2AA80102FAA}" type="datetimeFigureOut">
               <a:rPr lang="es-ES" smtClean="0"/>
-              <a:t>13/05/2015</a:t>
+              <a:t>03/07/2015</a:t>
             </a:fld>
             <a:endParaRPr lang="es-ES"/>
           </a:p>
@@ -898,15 +898,15 @@
         </p:nvSpPr>
         <p:spPr>
           <a:xfrm>
-            <a:off x="722313" y="4406900"/>
-            <a:ext cx="7772400" cy="1362075"/>
+            <a:off x="227479" y="2313624"/>
+            <a:ext cx="2447767" cy="715088"/>
           </a:xfrm>
         </p:spPr>
         <p:txBody>
           <a:bodyPr anchor="t"/>
           <a:lstStyle>
             <a:lvl1pPr algn="l">
-              <a:defRPr sz="4000" b="1" cap="all"/>
+              <a:defRPr sz="1300" b="1" cap="all"/>
             </a:lvl1pPr>
           </a:lstStyle>
           <a:p>
@@ -930,8 +930,8 @@
         </p:nvSpPr>
         <p:spPr>
           <a:xfrm>
-            <a:off x="722313" y="2906713"/>
-            <a:ext cx="7772400" cy="1500187"/>
+            <a:off x="227479" y="1526025"/>
+            <a:ext cx="2447767" cy="787599"/>
           </a:xfrm>
         </p:spPr>
         <p:txBody>
@@ -939,7 +939,7 @@
           <a:lstStyle>
             <a:lvl1pPr marL="0" indent="0">
               <a:buNone/>
-              <a:defRPr sz="2000">
+              <a:defRPr sz="600">
                 <a:solidFill>
                   <a:schemeClr val="tx1">
                     <a:tint val="75000"/>
@@ -947,9 +947,9 @@
                 </a:solidFill>
               </a:defRPr>
             </a:lvl1pPr>
-            <a:lvl2pPr marL="457200" indent="0">
-              <a:buNone/>
-              <a:defRPr sz="1800">
+            <a:lvl2pPr marL="144039" indent="0">
+              <a:buNone/>
+              <a:defRPr sz="600">
                 <a:solidFill>
                   <a:schemeClr val="tx1">
                     <a:tint val="75000"/>
@@ -957,9 +957,9 @@
                 </a:solidFill>
               </a:defRPr>
             </a:lvl2pPr>
-            <a:lvl3pPr marL="914400" indent="0">
-              <a:buNone/>
-              <a:defRPr sz="1600">
+            <a:lvl3pPr marL="288077" indent="0">
+              <a:buNone/>
+              <a:defRPr sz="500">
                 <a:solidFill>
                   <a:schemeClr val="tx1">
                     <a:tint val="75000"/>
@@ -967,9 +967,9 @@
                 </a:solidFill>
               </a:defRPr>
             </a:lvl3pPr>
-            <a:lvl4pPr marL="1371600" indent="0">
-              <a:buNone/>
-              <a:defRPr sz="1400">
+            <a:lvl4pPr marL="432116" indent="0">
+              <a:buNone/>
+              <a:defRPr sz="400">
                 <a:solidFill>
                   <a:schemeClr val="tx1">
                     <a:tint val="75000"/>
@@ -977,9 +977,9 @@
                 </a:solidFill>
               </a:defRPr>
             </a:lvl4pPr>
-            <a:lvl5pPr marL="1828800" indent="0">
-              <a:buNone/>
-              <a:defRPr sz="1400">
+            <a:lvl5pPr marL="576154" indent="0">
+              <a:buNone/>
+              <a:defRPr sz="400">
                 <a:solidFill>
                   <a:schemeClr val="tx1">
                     <a:tint val="75000"/>
@@ -987,9 +987,9 @@
                 </a:solidFill>
               </a:defRPr>
             </a:lvl5pPr>
-            <a:lvl6pPr marL="2286000" indent="0">
-              <a:buNone/>
-              <a:defRPr sz="1400">
+            <a:lvl6pPr marL="720193" indent="0">
+              <a:buNone/>
+              <a:defRPr sz="400">
                 <a:solidFill>
                   <a:schemeClr val="tx1">
                     <a:tint val="75000"/>
@@ -997,9 +997,9 @@
                 </a:solidFill>
               </a:defRPr>
             </a:lvl6pPr>
-            <a:lvl7pPr marL="2743200" indent="0">
-              <a:buNone/>
-              <a:defRPr sz="1400">
+            <a:lvl7pPr marL="864231" indent="0">
+              <a:buNone/>
+              <a:defRPr sz="400">
                 <a:solidFill>
                   <a:schemeClr val="tx1">
                     <a:tint val="75000"/>
@@ -1007,9 +1007,9 @@
                 </a:solidFill>
               </a:defRPr>
             </a:lvl7pPr>
-            <a:lvl8pPr marL="3200400" indent="0">
-              <a:buNone/>
-              <a:defRPr sz="1400">
+            <a:lvl8pPr marL="1008270" indent="0">
+              <a:buNone/>
+              <a:defRPr sz="400">
                 <a:solidFill>
                   <a:schemeClr val="tx1">
                     <a:tint val="75000"/>
@@ -1017,9 +1017,9 @@
                 </a:solidFill>
               </a:defRPr>
             </a:lvl8pPr>
-            <a:lvl9pPr marL="3657600" indent="0">
-              <a:buNone/>
-              <a:defRPr sz="1400">
+            <a:lvl9pPr marL="1152309" indent="0">
+              <a:buNone/>
+              <a:defRPr sz="400">
                 <a:solidFill>
                   <a:schemeClr val="tx1">
                     <a:tint val="75000"/>
@@ -1054,7 +1054,7 @@
           <a:p>
             <a:fld id="{B8E0604D-D749-4065-A30A-A2AA80102FAA}" type="datetimeFigureOut">
               <a:rPr lang="es-ES" smtClean="0"/>
-              <a:t>13/05/2015</a:t>
+              <a:t>03/07/2015</a:t>
             </a:fld>
             <a:endParaRPr lang="es-ES"/>
           </a:p>
@@ -1167,39 +1167,39 @@
         </p:nvSpPr>
         <p:spPr>
           <a:xfrm>
-            <a:off x="457200" y="1600200"/>
-            <a:ext cx="4038600" cy="4525963"/>
+            <a:off x="143986" y="840107"/>
+            <a:ext cx="1271879" cy="2376132"/>
           </a:xfrm>
         </p:spPr>
         <p:txBody>
           <a:bodyPr/>
           <a:lstStyle>
             <a:lvl1pPr>
-              <a:defRPr sz="2800"/>
+              <a:defRPr sz="900"/>
             </a:lvl1pPr>
             <a:lvl2pPr>
-              <a:defRPr sz="2400"/>
+              <a:defRPr sz="800"/>
             </a:lvl2pPr>
             <a:lvl3pPr>
-              <a:defRPr sz="2000"/>
+              <a:defRPr sz="600"/>
             </a:lvl3pPr>
             <a:lvl4pPr>
-              <a:defRPr sz="1800"/>
+              <a:defRPr sz="600"/>
             </a:lvl4pPr>
             <a:lvl5pPr>
-              <a:defRPr sz="1800"/>
+              <a:defRPr sz="600"/>
             </a:lvl5pPr>
             <a:lvl6pPr>
-              <a:defRPr sz="1800"/>
+              <a:defRPr sz="600"/>
             </a:lvl6pPr>
             <a:lvl7pPr>
-              <a:defRPr sz="1800"/>
+              <a:defRPr sz="600"/>
             </a:lvl7pPr>
             <a:lvl8pPr>
-              <a:defRPr sz="1800"/>
+              <a:defRPr sz="600"/>
             </a:lvl8pPr>
             <a:lvl9pPr>
-              <a:defRPr sz="1800"/>
+              <a:defRPr sz="600"/>
             </a:lvl9pPr>
           </a:lstStyle>
           <a:p>
@@ -1252,39 +1252,39 @@
         </p:nvSpPr>
         <p:spPr>
           <a:xfrm>
-            <a:off x="4648200" y="1600200"/>
-            <a:ext cx="4038600" cy="4525963"/>
+            <a:off x="1463861" y="840107"/>
+            <a:ext cx="1271879" cy="2376132"/>
           </a:xfrm>
         </p:spPr>
         <p:txBody>
           <a:bodyPr/>
           <a:lstStyle>
             <a:lvl1pPr>
-              <a:defRPr sz="2800"/>
+              <a:defRPr sz="900"/>
             </a:lvl1pPr>
             <a:lvl2pPr>
-              <a:defRPr sz="2400"/>
+              <a:defRPr sz="800"/>
             </a:lvl2pPr>
             <a:lvl3pPr>
-              <a:defRPr sz="2000"/>
+              <a:defRPr sz="600"/>
             </a:lvl3pPr>
             <a:lvl4pPr>
-              <a:defRPr sz="1800"/>
+              <a:defRPr sz="600"/>
             </a:lvl4pPr>
             <a:lvl5pPr>
-              <a:defRPr sz="1800"/>
+              <a:defRPr sz="600"/>
             </a:lvl5pPr>
             <a:lvl6pPr>
-              <a:defRPr sz="1800"/>
+              <a:defRPr sz="600"/>
             </a:lvl6pPr>
             <a:lvl7pPr>
-              <a:defRPr sz="1800"/>
+              <a:defRPr sz="600"/>
             </a:lvl7pPr>
             <a:lvl8pPr>
-              <a:defRPr sz="1800"/>
+              <a:defRPr sz="600"/>
             </a:lvl8pPr>
             <a:lvl9pPr>
-              <a:defRPr sz="1800"/>
+              <a:defRPr sz="600"/>
             </a:lvl9pPr>
           </a:lstStyle>
           <a:p>
@@ -1342,7 +1342,7 @@
           <a:p>
             <a:fld id="{B8E0604D-D749-4065-A30A-A2AA80102FAA}" type="datetimeFigureOut">
               <a:rPr lang="es-ES" smtClean="0"/>
-              <a:t>13/05/2015</a:t>
+              <a:t>03/07/2015</a:t>
             </a:fld>
             <a:endParaRPr lang="es-ES"/>
           </a:p>
@@ -1459,8 +1459,8 @@
         </p:nvSpPr>
         <p:spPr>
           <a:xfrm>
-            <a:off x="457200" y="1535113"/>
-            <a:ext cx="4040188" cy="639762"/>
+            <a:off x="143987" y="805935"/>
+            <a:ext cx="1272378" cy="335876"/>
           </a:xfrm>
         </p:spPr>
         <p:txBody>
@@ -1468,39 +1468,39 @@
           <a:lstStyle>
             <a:lvl1pPr marL="0" indent="0">
               <a:buNone/>
-              <a:defRPr sz="2400" b="1"/>
+              <a:defRPr sz="800" b="1"/>
             </a:lvl1pPr>
-            <a:lvl2pPr marL="457200" indent="0">
-              <a:buNone/>
-              <a:defRPr sz="2000" b="1"/>
+            <a:lvl2pPr marL="144039" indent="0">
+              <a:buNone/>
+              <a:defRPr sz="600" b="1"/>
             </a:lvl2pPr>
-            <a:lvl3pPr marL="914400" indent="0">
-              <a:buNone/>
-              <a:defRPr sz="1800" b="1"/>
+            <a:lvl3pPr marL="288077" indent="0">
+              <a:buNone/>
+              <a:defRPr sz="600" b="1"/>
             </a:lvl3pPr>
-            <a:lvl4pPr marL="1371600" indent="0">
-              <a:buNone/>
-              <a:defRPr sz="1600" b="1"/>
+            <a:lvl4pPr marL="432116" indent="0">
+              <a:buNone/>
+              <a:defRPr sz="500" b="1"/>
             </a:lvl4pPr>
-            <a:lvl5pPr marL="1828800" indent="0">
-              <a:buNone/>
-              <a:defRPr sz="1600" b="1"/>
+            <a:lvl5pPr marL="576154" indent="0">
+              <a:buNone/>
+              <a:defRPr sz="500" b="1"/>
             </a:lvl5pPr>
-            <a:lvl6pPr marL="2286000" indent="0">
-              <a:buNone/>
-              <a:defRPr sz="1600" b="1"/>
+            <a:lvl6pPr marL="720193" indent="0">
+              <a:buNone/>
+              <a:defRPr sz="500" b="1"/>
             </a:lvl6pPr>
-            <a:lvl7pPr marL="2743200" indent="0">
-              <a:buNone/>
-              <a:defRPr sz="1600" b="1"/>
+            <a:lvl7pPr marL="864231" indent="0">
+              <a:buNone/>
+              <a:defRPr sz="500" b="1"/>
             </a:lvl7pPr>
-            <a:lvl8pPr marL="3200400" indent="0">
-              <a:buNone/>
-              <a:defRPr sz="1600" b="1"/>
+            <a:lvl8pPr marL="1008270" indent="0">
+              <a:buNone/>
+              <a:defRPr sz="500" b="1"/>
             </a:lvl8pPr>
-            <a:lvl9pPr marL="3657600" indent="0">
-              <a:buNone/>
-              <a:defRPr sz="1600" b="1"/>
+            <a:lvl9pPr marL="1152309" indent="0">
+              <a:buNone/>
+              <a:defRPr sz="500" b="1"/>
             </a:lvl9pPr>
           </a:lstStyle>
           <a:p>
@@ -1524,39 +1524,39 @@
         </p:nvSpPr>
         <p:spPr>
           <a:xfrm>
-            <a:off x="457200" y="2174875"/>
-            <a:ext cx="4040188" cy="3951288"/>
+            <a:off x="143987" y="1141810"/>
+            <a:ext cx="1272378" cy="2074426"/>
           </a:xfrm>
         </p:spPr>
         <p:txBody>
           <a:bodyPr/>
           <a:lstStyle>
             <a:lvl1pPr>
-              <a:defRPr sz="2400"/>
+              <a:defRPr sz="800"/>
             </a:lvl1pPr>
             <a:lvl2pPr>
-              <a:defRPr sz="2000"/>
+              <a:defRPr sz="600"/>
             </a:lvl2pPr>
             <a:lvl3pPr>
-              <a:defRPr sz="1800"/>
+              <a:defRPr sz="600"/>
             </a:lvl3pPr>
             <a:lvl4pPr>
-              <a:defRPr sz="1600"/>
+              <a:defRPr sz="500"/>
             </a:lvl4pPr>
             <a:lvl5pPr>
-              <a:defRPr sz="1600"/>
+              <a:defRPr sz="500"/>
             </a:lvl5pPr>
             <a:lvl6pPr>
-              <a:defRPr sz="1600"/>
+              <a:defRPr sz="500"/>
             </a:lvl6pPr>
             <a:lvl7pPr>
-              <a:defRPr sz="1600"/>
+              <a:defRPr sz="500"/>
             </a:lvl7pPr>
             <a:lvl8pPr>
-              <a:defRPr sz="1600"/>
+              <a:defRPr sz="500"/>
             </a:lvl8pPr>
             <a:lvl9pPr>
-              <a:defRPr sz="1600"/>
+              <a:defRPr sz="500"/>
             </a:lvl9pPr>
           </a:lstStyle>
           <a:p>
@@ -1609,8 +1609,8 @@
         </p:nvSpPr>
         <p:spPr>
           <a:xfrm>
-            <a:off x="4645025" y="1535113"/>
-            <a:ext cx="4041775" cy="639762"/>
+            <a:off x="1462862" y="805935"/>
+            <a:ext cx="1272879" cy="335876"/>
           </a:xfrm>
         </p:spPr>
         <p:txBody>
@@ -1618,39 +1618,39 @@
           <a:lstStyle>
             <a:lvl1pPr marL="0" indent="0">
               <a:buNone/>
-              <a:defRPr sz="2400" b="1"/>
+              <a:defRPr sz="800" b="1"/>
             </a:lvl1pPr>
-            <a:lvl2pPr marL="457200" indent="0">
-              <a:buNone/>
-              <a:defRPr sz="2000" b="1"/>
+            <a:lvl2pPr marL="144039" indent="0">
+              <a:buNone/>
+              <a:defRPr sz="600" b="1"/>
             </a:lvl2pPr>
-            <a:lvl3pPr marL="914400" indent="0">
-              <a:buNone/>
-              <a:defRPr sz="1800" b="1"/>
+            <a:lvl3pPr marL="288077" indent="0">
+              <a:buNone/>
+              <a:defRPr sz="600" b="1"/>
             </a:lvl3pPr>
-            <a:lvl4pPr marL="1371600" indent="0">
-              <a:buNone/>
-              <a:defRPr sz="1600" b="1"/>
+            <a:lvl4pPr marL="432116" indent="0">
+              <a:buNone/>
+              <a:defRPr sz="500" b="1"/>
             </a:lvl4pPr>
-            <a:lvl5pPr marL="1828800" indent="0">
-              <a:buNone/>
-              <a:defRPr sz="1600" b="1"/>
+            <a:lvl5pPr marL="576154" indent="0">
+              <a:buNone/>
+              <a:defRPr sz="500" b="1"/>
             </a:lvl5pPr>
-            <a:lvl6pPr marL="2286000" indent="0">
-              <a:buNone/>
-              <a:defRPr sz="1600" b="1"/>
+            <a:lvl6pPr marL="720193" indent="0">
+              <a:buNone/>
+              <a:defRPr sz="500" b="1"/>
             </a:lvl6pPr>
-            <a:lvl7pPr marL="2743200" indent="0">
-              <a:buNone/>
-              <a:defRPr sz="1600" b="1"/>
+            <a:lvl7pPr marL="864231" indent="0">
+              <a:buNone/>
+              <a:defRPr sz="500" b="1"/>
             </a:lvl7pPr>
-            <a:lvl8pPr marL="3200400" indent="0">
-              <a:buNone/>
-              <a:defRPr sz="1600" b="1"/>
+            <a:lvl8pPr marL="1008270" indent="0">
+              <a:buNone/>
+              <a:defRPr sz="500" b="1"/>
             </a:lvl8pPr>
-            <a:lvl9pPr marL="3657600" indent="0">
-              <a:buNone/>
-              <a:defRPr sz="1600" b="1"/>
+            <a:lvl9pPr marL="1152309" indent="0">
+              <a:buNone/>
+              <a:defRPr sz="500" b="1"/>
             </a:lvl9pPr>
           </a:lstStyle>
           <a:p>
@@ -1674,39 +1674,39 @@
         </p:nvSpPr>
         <p:spPr>
           <a:xfrm>
-            <a:off x="4645025" y="2174875"/>
-            <a:ext cx="4041775" cy="3951288"/>
+            <a:off x="1462862" y="1141810"/>
+            <a:ext cx="1272879" cy="2074426"/>
           </a:xfrm>
         </p:spPr>
         <p:txBody>
           <a:bodyPr/>
           <a:lstStyle>
             <a:lvl1pPr>
-              <a:defRPr sz="2400"/>
+              <a:defRPr sz="800"/>
             </a:lvl1pPr>
             <a:lvl2pPr>
-              <a:defRPr sz="2000"/>
+              <a:defRPr sz="600"/>
             </a:lvl2pPr>
             <a:lvl3pPr>
-              <a:defRPr sz="1800"/>
+              <a:defRPr sz="600"/>
             </a:lvl3pPr>
             <a:lvl4pPr>
-              <a:defRPr sz="1600"/>
+              <a:defRPr sz="500"/>
             </a:lvl4pPr>
             <a:lvl5pPr>
-              <a:defRPr sz="1600"/>
+              <a:defRPr sz="500"/>
             </a:lvl5pPr>
             <a:lvl6pPr>
-              <a:defRPr sz="1600"/>
+              <a:defRPr sz="500"/>
             </a:lvl6pPr>
             <a:lvl7pPr>
-              <a:defRPr sz="1600"/>
+              <a:defRPr sz="500"/>
             </a:lvl7pPr>
             <a:lvl8pPr>
-              <a:defRPr sz="1600"/>
+              <a:defRPr sz="500"/>
             </a:lvl8pPr>
             <a:lvl9pPr>
-              <a:defRPr sz="1600"/>
+              <a:defRPr sz="500"/>
             </a:lvl9pPr>
           </a:lstStyle>
           <a:p>
@@ -1764,7 +1764,7 @@
           <a:p>
             <a:fld id="{B8E0604D-D749-4065-A30A-A2AA80102FAA}" type="datetimeFigureOut">
               <a:rPr lang="es-ES" smtClean="0"/>
-              <a:t>13/05/2015</a:t>
+              <a:t>03/07/2015</a:t>
             </a:fld>
             <a:endParaRPr lang="es-ES"/>
           </a:p>
@@ -1882,7 +1882,7 @@
           <a:p>
             <a:fld id="{B8E0604D-D749-4065-A30A-A2AA80102FAA}" type="datetimeFigureOut">
               <a:rPr lang="es-ES" smtClean="0"/>
-              <a:t>13/05/2015</a:t>
+              <a:t>03/07/2015</a:t>
             </a:fld>
             <a:endParaRPr lang="es-ES"/>
           </a:p>
@@ -1977,7 +1977,7 @@
           <a:p>
             <a:fld id="{B8E0604D-D749-4065-A30A-A2AA80102FAA}" type="datetimeFigureOut">
               <a:rPr lang="es-ES" smtClean="0"/>
-              <a:t>13/05/2015</a:t>
+              <a:t>03/07/2015</a:t>
             </a:fld>
             <a:endParaRPr lang="es-ES"/>
           </a:p>
@@ -2067,15 +2067,15 @@
         </p:nvSpPr>
         <p:spPr>
           <a:xfrm>
-            <a:off x="457200" y="273050"/>
-            <a:ext cx="3008313" cy="1162050"/>
+            <a:off x="143989" y="143352"/>
+            <a:ext cx="947409" cy="610077"/>
           </a:xfrm>
         </p:spPr>
         <p:txBody>
           <a:bodyPr anchor="b"/>
           <a:lstStyle>
             <a:lvl1pPr algn="l">
-              <a:defRPr sz="2000" b="1"/>
+              <a:defRPr sz="600" b="1"/>
             </a:lvl1pPr>
           </a:lstStyle>
           <a:p>
@@ -2099,39 +2099,39 @@
         </p:nvSpPr>
         <p:spPr>
           <a:xfrm>
-            <a:off x="3575050" y="273050"/>
-            <a:ext cx="5111750" cy="5853113"/>
+            <a:off x="1125894" y="143354"/>
+            <a:ext cx="1609846" cy="3072884"/>
           </a:xfrm>
         </p:spPr>
         <p:txBody>
           <a:bodyPr/>
           <a:lstStyle>
             <a:lvl1pPr>
-              <a:defRPr sz="3200"/>
+              <a:defRPr sz="1000"/>
             </a:lvl1pPr>
             <a:lvl2pPr>
-              <a:defRPr sz="2800"/>
+              <a:defRPr sz="900"/>
             </a:lvl2pPr>
             <a:lvl3pPr>
-              <a:defRPr sz="2400"/>
+              <a:defRPr sz="800"/>
             </a:lvl3pPr>
             <a:lvl4pPr>
-              <a:defRPr sz="2000"/>
+              <a:defRPr sz="600"/>
             </a:lvl4pPr>
             <a:lvl5pPr>
-              <a:defRPr sz="2000"/>
+              <a:defRPr sz="600"/>
             </a:lvl5pPr>
             <a:lvl6pPr>
-              <a:defRPr sz="2000"/>
+              <a:defRPr sz="600"/>
             </a:lvl6pPr>
             <a:lvl7pPr>
-              <a:defRPr sz="2000"/>
+              <a:defRPr sz="600"/>
             </a:lvl7pPr>
             <a:lvl8pPr>
-              <a:defRPr sz="2000"/>
+              <a:defRPr sz="600"/>
             </a:lvl8pPr>
             <a:lvl9pPr>
-              <a:defRPr sz="2000"/>
+              <a:defRPr sz="600"/>
             </a:lvl9pPr>
           </a:lstStyle>
           <a:p>
@@ -2184,8 +2184,8 @@
         </p:nvSpPr>
         <p:spPr>
           <a:xfrm>
-            <a:off x="457200" y="1435100"/>
-            <a:ext cx="3008313" cy="4691063"/>
+            <a:off x="143989" y="753428"/>
+            <a:ext cx="947409" cy="2462807"/>
           </a:xfrm>
         </p:spPr>
         <p:txBody>
@@ -2193,39 +2193,39 @@
           <a:lstStyle>
             <a:lvl1pPr marL="0" indent="0">
               <a:buNone/>
-              <a:defRPr sz="1400"/>
+              <a:defRPr sz="400"/>
             </a:lvl1pPr>
-            <a:lvl2pPr marL="457200" indent="0">
-              <a:buNone/>
-              <a:defRPr sz="1200"/>
+            <a:lvl2pPr marL="144039" indent="0">
+              <a:buNone/>
+              <a:defRPr sz="400"/>
             </a:lvl2pPr>
-            <a:lvl3pPr marL="914400" indent="0">
-              <a:buNone/>
-              <a:defRPr sz="1000"/>
+            <a:lvl3pPr marL="288077" indent="0">
+              <a:buNone/>
+              <a:defRPr sz="400"/>
             </a:lvl3pPr>
-            <a:lvl4pPr marL="1371600" indent="0">
-              <a:buNone/>
-              <a:defRPr sz="900"/>
+            <a:lvl4pPr marL="432116" indent="0">
+              <a:buNone/>
+              <a:defRPr sz="300"/>
             </a:lvl4pPr>
-            <a:lvl5pPr marL="1828800" indent="0">
-              <a:buNone/>
-              <a:defRPr sz="900"/>
+            <a:lvl5pPr marL="576154" indent="0">
+              <a:buNone/>
+              <a:defRPr sz="300"/>
             </a:lvl5pPr>
-            <a:lvl6pPr marL="2286000" indent="0">
-              <a:buNone/>
-              <a:defRPr sz="900"/>
+            <a:lvl6pPr marL="720193" indent="0">
+              <a:buNone/>
+              <a:defRPr sz="300"/>
             </a:lvl6pPr>
-            <a:lvl7pPr marL="2743200" indent="0">
-              <a:buNone/>
-              <a:defRPr sz="900"/>
+            <a:lvl7pPr marL="864231" indent="0">
+              <a:buNone/>
+              <a:defRPr sz="300"/>
             </a:lvl7pPr>
-            <a:lvl8pPr marL="3200400" indent="0">
-              <a:buNone/>
-              <a:defRPr sz="900"/>
+            <a:lvl8pPr marL="1008270" indent="0">
+              <a:buNone/>
+              <a:defRPr sz="300"/>
             </a:lvl8pPr>
-            <a:lvl9pPr marL="3657600" indent="0">
-              <a:buNone/>
-              <a:defRPr sz="900"/>
+            <a:lvl9pPr marL="1152309" indent="0">
+              <a:buNone/>
+              <a:defRPr sz="300"/>
             </a:lvl9pPr>
           </a:lstStyle>
           <a:p>
@@ -2254,7 +2254,7 @@
           <a:p>
             <a:fld id="{B8E0604D-D749-4065-A30A-A2AA80102FAA}" type="datetimeFigureOut">
               <a:rPr lang="es-ES" smtClean="0"/>
-              <a:t>13/05/2015</a:t>
+              <a:t>03/07/2015</a:t>
             </a:fld>
             <a:endParaRPr lang="es-ES"/>
           </a:p>
@@ -2344,15 +2344,15 @@
         </p:nvSpPr>
         <p:spPr>
           <a:xfrm>
-            <a:off x="1792288" y="4800600"/>
-            <a:ext cx="5486400" cy="566738"/>
+            <a:off x="564447" y="2520317"/>
+            <a:ext cx="1727835" cy="297536"/>
           </a:xfrm>
         </p:spPr>
         <p:txBody>
           <a:bodyPr anchor="b"/>
           <a:lstStyle>
             <a:lvl1pPr algn="l">
-              <a:defRPr sz="2000" b="1"/>
+              <a:defRPr sz="600" b="1"/>
             </a:lvl1pPr>
           </a:lstStyle>
           <a:p>
@@ -2376,8 +2376,8 @@
         </p:nvSpPr>
         <p:spPr>
           <a:xfrm>
-            <a:off x="1792288" y="612775"/>
-            <a:ext cx="5486400" cy="4114800"/>
+            <a:off x="564447" y="321709"/>
+            <a:ext cx="1727835" cy="2160270"/>
           </a:xfrm>
         </p:spPr>
         <p:txBody>
@@ -2385,39 +2385,39 @@
           <a:lstStyle>
             <a:lvl1pPr marL="0" indent="0">
               <a:buNone/>
-              <a:defRPr sz="3200"/>
+              <a:defRPr sz="1000"/>
             </a:lvl1pPr>
-            <a:lvl2pPr marL="457200" indent="0">
-              <a:buNone/>
-              <a:defRPr sz="2800"/>
+            <a:lvl2pPr marL="144039" indent="0">
+              <a:buNone/>
+              <a:defRPr sz="900"/>
             </a:lvl2pPr>
-            <a:lvl3pPr marL="914400" indent="0">
-              <a:buNone/>
-              <a:defRPr sz="2400"/>
+            <a:lvl3pPr marL="288077" indent="0">
+              <a:buNone/>
+              <a:defRPr sz="800"/>
             </a:lvl3pPr>
-            <a:lvl4pPr marL="1371600" indent="0">
-              <a:buNone/>
-              <a:defRPr sz="2000"/>
+            <a:lvl4pPr marL="432116" indent="0">
+              <a:buNone/>
+              <a:defRPr sz="600"/>
             </a:lvl4pPr>
-            <a:lvl5pPr marL="1828800" indent="0">
-              <a:buNone/>
-              <a:defRPr sz="2000"/>
+            <a:lvl5pPr marL="576154" indent="0">
+              <a:buNone/>
+              <a:defRPr sz="600"/>
             </a:lvl5pPr>
-            <a:lvl6pPr marL="2286000" indent="0">
-              <a:buNone/>
-              <a:defRPr sz="2000"/>
+            <a:lvl6pPr marL="720193" indent="0">
+              <a:buNone/>
+              <a:defRPr sz="600"/>
             </a:lvl6pPr>
-            <a:lvl7pPr marL="2743200" indent="0">
-              <a:buNone/>
-              <a:defRPr sz="2000"/>
+            <a:lvl7pPr marL="864231" indent="0">
+              <a:buNone/>
+              <a:defRPr sz="600"/>
             </a:lvl7pPr>
-            <a:lvl8pPr marL="3200400" indent="0">
-              <a:buNone/>
-              <a:defRPr sz="2000"/>
+            <a:lvl8pPr marL="1008270" indent="0">
+              <a:buNone/>
+              <a:defRPr sz="600"/>
             </a:lvl8pPr>
-            <a:lvl9pPr marL="3657600" indent="0">
-              <a:buNone/>
-              <a:defRPr sz="2000"/>
+            <a:lvl9pPr marL="1152309" indent="0">
+              <a:buNone/>
+              <a:defRPr sz="600"/>
             </a:lvl9pPr>
           </a:lstStyle>
           <a:p>
@@ -2437,8 +2437,8 @@
         </p:nvSpPr>
         <p:spPr>
           <a:xfrm>
-            <a:off x="1792288" y="5367338"/>
-            <a:ext cx="5486400" cy="804862"/>
+            <a:off x="564447" y="2817854"/>
+            <a:ext cx="1727835" cy="422553"/>
           </a:xfrm>
         </p:spPr>
         <p:txBody>
@@ -2446,39 +2446,39 @@
           <a:lstStyle>
             <a:lvl1pPr marL="0" indent="0">
               <a:buNone/>
-              <a:defRPr sz="1400"/>
+              <a:defRPr sz="400"/>
             </a:lvl1pPr>
-            <a:lvl2pPr marL="457200" indent="0">
-              <a:buNone/>
-              <a:defRPr sz="1200"/>
+            <a:lvl2pPr marL="144039" indent="0">
+              <a:buNone/>
+              <a:defRPr sz="400"/>
             </a:lvl2pPr>
-            <a:lvl3pPr marL="914400" indent="0">
-              <a:buNone/>
-              <a:defRPr sz="1000"/>
+            <a:lvl3pPr marL="288077" indent="0">
+              <a:buNone/>
+              <a:defRPr sz="400"/>
             </a:lvl3pPr>
-            <a:lvl4pPr marL="1371600" indent="0">
-              <a:buNone/>
-              <a:defRPr sz="900"/>
+            <a:lvl4pPr marL="432116" indent="0">
+              <a:buNone/>
+              <a:defRPr sz="300"/>
             </a:lvl4pPr>
-            <a:lvl5pPr marL="1828800" indent="0">
-              <a:buNone/>
-              <a:defRPr sz="900"/>
+            <a:lvl5pPr marL="576154" indent="0">
+              <a:buNone/>
+              <a:defRPr sz="300"/>
             </a:lvl5pPr>
-            <a:lvl6pPr marL="2286000" indent="0">
-              <a:buNone/>
-              <a:defRPr sz="900"/>
+            <a:lvl6pPr marL="720193" indent="0">
+              <a:buNone/>
+              <a:defRPr sz="300"/>
             </a:lvl6pPr>
-            <a:lvl7pPr marL="2743200" indent="0">
-              <a:buNone/>
-              <a:defRPr sz="900"/>
+            <a:lvl7pPr marL="864231" indent="0">
+              <a:buNone/>
+              <a:defRPr sz="300"/>
             </a:lvl7pPr>
-            <a:lvl8pPr marL="3200400" indent="0">
-              <a:buNone/>
-              <a:defRPr sz="900"/>
+            <a:lvl8pPr marL="1008270" indent="0">
+              <a:buNone/>
+              <a:defRPr sz="300"/>
             </a:lvl8pPr>
-            <a:lvl9pPr marL="3657600" indent="0">
-              <a:buNone/>
-              <a:defRPr sz="900"/>
+            <a:lvl9pPr marL="1152309" indent="0">
+              <a:buNone/>
+              <a:defRPr sz="300"/>
             </a:lvl9pPr>
           </a:lstStyle>
           <a:p>
@@ -2507,7 +2507,7 @@
           <a:p>
             <a:fld id="{B8E0604D-D749-4065-A30A-A2AA80102FAA}" type="datetimeFigureOut">
               <a:rPr lang="es-ES" smtClean="0"/>
-              <a:t>13/05/2015</a:t>
+              <a:t>03/07/2015</a:t>
             </a:fld>
             <a:endParaRPr lang="es-ES"/>
           </a:p>
@@ -2602,15 +2602,15 @@
         </p:nvSpPr>
         <p:spPr>
           <a:xfrm>
-            <a:off x="457200" y="274638"/>
-            <a:ext cx="8229600" cy="1143000"/>
+            <a:off x="143988" y="144185"/>
+            <a:ext cx="2591753" cy="600075"/>
           </a:xfrm>
           <a:prstGeom prst="rect">
             <a:avLst/>
           </a:prstGeom>
         </p:spPr>
         <p:txBody>
-          <a:bodyPr vert="horz" lIns="91440" tIns="45720" rIns="91440" bIns="45720" rtlCol="0" anchor="ctr">
+          <a:bodyPr vert="horz" lIns="28808" tIns="14404" rIns="28808" bIns="14404" rtlCol="0" anchor="ctr">
             <a:normAutofit/>
           </a:bodyPr>
           <a:lstStyle/>
@@ -2635,15 +2635,15 @@
         </p:nvSpPr>
         <p:spPr>
           <a:xfrm>
-            <a:off x="457200" y="1600200"/>
-            <a:ext cx="8229600" cy="4525963"/>
+            <a:off x="143988" y="840107"/>
+            <a:ext cx="2591753" cy="2376132"/>
           </a:xfrm>
           <a:prstGeom prst="rect">
             <a:avLst/>
           </a:prstGeom>
         </p:spPr>
         <p:txBody>
-          <a:bodyPr vert="horz" lIns="91440" tIns="45720" rIns="91440" bIns="45720" rtlCol="0">
+          <a:bodyPr vert="horz" lIns="28808" tIns="14404" rIns="28808" bIns="14404" rtlCol="0">
             <a:normAutofit/>
           </a:bodyPr>
           <a:lstStyle/>
@@ -2697,18 +2697,18 @@
         </p:nvSpPr>
         <p:spPr>
           <a:xfrm>
-            <a:off x="457200" y="6356350"/>
-            <a:ext cx="2133600" cy="365125"/>
+            <a:off x="143987" y="3337084"/>
+            <a:ext cx="671936" cy="191692"/>
           </a:xfrm>
           <a:prstGeom prst="rect">
             <a:avLst/>
           </a:prstGeom>
         </p:spPr>
         <p:txBody>
-          <a:bodyPr vert="horz" lIns="91440" tIns="45720" rIns="91440" bIns="45720" rtlCol="0" anchor="ctr"/>
+          <a:bodyPr vert="horz" lIns="28808" tIns="14404" rIns="28808" bIns="14404" rtlCol="0" anchor="ctr"/>
           <a:lstStyle>
             <a:lvl1pPr algn="l">
-              <a:defRPr sz="1200">
+              <a:defRPr sz="400">
                 <a:solidFill>
                   <a:schemeClr val="tx1">
                     <a:tint val="75000"/>
@@ -2720,7 +2720,7 @@
           <a:p>
             <a:fld id="{B8E0604D-D749-4065-A30A-A2AA80102FAA}" type="datetimeFigureOut">
               <a:rPr lang="es-ES" smtClean="0"/>
-              <a:t>13/05/2015</a:t>
+              <a:t>03/07/2015</a:t>
             </a:fld>
             <a:endParaRPr lang="es-ES"/>
           </a:p>
@@ -2738,18 +2738,18 @@
         </p:nvSpPr>
         <p:spPr>
           <a:xfrm>
-            <a:off x="3124200" y="6356350"/>
-            <a:ext cx="2895600" cy="365125"/>
+            <a:off x="983908" y="3337084"/>
+            <a:ext cx="911913" cy="191692"/>
           </a:xfrm>
           <a:prstGeom prst="rect">
             <a:avLst/>
           </a:prstGeom>
         </p:spPr>
         <p:txBody>
-          <a:bodyPr vert="horz" lIns="91440" tIns="45720" rIns="91440" bIns="45720" rtlCol="0" anchor="ctr"/>
+          <a:bodyPr vert="horz" lIns="28808" tIns="14404" rIns="28808" bIns="14404" rtlCol="0" anchor="ctr"/>
           <a:lstStyle>
             <a:lvl1pPr algn="ctr">
-              <a:defRPr sz="1200">
+              <a:defRPr sz="400">
                 <a:solidFill>
                   <a:schemeClr val="tx1">
                     <a:tint val="75000"/>
@@ -2775,18 +2775,18 @@
         </p:nvSpPr>
         <p:spPr>
           <a:xfrm>
-            <a:off x="6553200" y="6356350"/>
-            <a:ext cx="2133600" cy="365125"/>
+            <a:off x="2063803" y="3337084"/>
+            <a:ext cx="671936" cy="191692"/>
           </a:xfrm>
           <a:prstGeom prst="rect">
             <a:avLst/>
           </a:prstGeom>
         </p:spPr>
         <p:txBody>
-          <a:bodyPr vert="horz" lIns="91440" tIns="45720" rIns="91440" bIns="45720" rtlCol="0" anchor="ctr"/>
+          <a:bodyPr vert="horz" lIns="28808" tIns="14404" rIns="28808" bIns="14404" rtlCol="0" anchor="ctr"/>
           <a:lstStyle>
             <a:lvl1pPr algn="r">
-              <a:defRPr sz="1200">
+              <a:defRPr sz="400">
                 <a:solidFill>
                   <a:schemeClr val="tx1">
                     <a:tint val="75000"/>
@@ -2827,12 +2827,12 @@
   </p:sldLayoutIdLst>
   <p:txStyles>
     <p:titleStyle>
-      <a:lvl1pPr algn="ctr" defTabSz="914400" rtl="0" eaLnBrk="1" latinLnBrk="0" hangingPunct="1">
+      <a:lvl1pPr algn="ctr" defTabSz="288077" rtl="0" eaLnBrk="1" latinLnBrk="0" hangingPunct="1">
         <a:spcBef>
           <a:spcPct val="0"/>
         </a:spcBef>
         <a:buNone/>
-        <a:defRPr sz="4400" kern="1200">
+        <a:defRPr sz="1400" kern="1200">
           <a:solidFill>
             <a:schemeClr val="tx1"/>
           </a:solidFill>
@@ -2843,13 +2843,13 @@
       </a:lvl1pPr>
     </p:titleStyle>
     <p:bodyStyle>
-      <a:lvl1pPr marL="342900" indent="-342900" algn="l" defTabSz="914400" rtl="0" eaLnBrk="1" latinLnBrk="0" hangingPunct="1">
+      <a:lvl1pPr marL="108029" indent="-108029" algn="l" defTabSz="288077" rtl="0" eaLnBrk="1" latinLnBrk="0" hangingPunct="1">
         <a:spcBef>
           <a:spcPct val="20000"/>
         </a:spcBef>
         <a:buFont typeface="Arial" pitchFamily="34" charset="0"/>
         <a:buChar char="•"/>
-        <a:defRPr sz="3200" kern="1200">
+        <a:defRPr sz="1000" kern="1200">
           <a:solidFill>
             <a:schemeClr val="tx1"/>
           </a:solidFill>
@@ -2858,13 +2858,13 @@
           <a:cs typeface="+mn-cs"/>
         </a:defRPr>
       </a:lvl1pPr>
-      <a:lvl2pPr marL="742950" indent="-285750" algn="l" defTabSz="914400" rtl="0" eaLnBrk="1" latinLnBrk="0" hangingPunct="1">
+      <a:lvl2pPr marL="234063" indent="-90024" algn="l" defTabSz="288077" rtl="0" eaLnBrk="1" latinLnBrk="0" hangingPunct="1">
         <a:spcBef>
           <a:spcPct val="20000"/>
         </a:spcBef>
         <a:buFont typeface="Arial" pitchFamily="34" charset="0"/>
         <a:buChar char="–"/>
-        <a:defRPr sz="2800" kern="1200">
+        <a:defRPr sz="900" kern="1200">
           <a:solidFill>
             <a:schemeClr val="tx1"/>
           </a:solidFill>
@@ -2873,13 +2873,13 @@
           <a:cs typeface="+mn-cs"/>
         </a:defRPr>
       </a:lvl2pPr>
-      <a:lvl3pPr marL="1143000" indent="-228600" algn="l" defTabSz="914400" rtl="0" eaLnBrk="1" latinLnBrk="0" hangingPunct="1">
+      <a:lvl3pPr marL="360096" indent="-72019" algn="l" defTabSz="288077" rtl="0" eaLnBrk="1" latinLnBrk="0" hangingPunct="1">
         <a:spcBef>
           <a:spcPct val="20000"/>
         </a:spcBef>
         <a:buFont typeface="Arial" pitchFamily="34" charset="0"/>
         <a:buChar char="•"/>
-        <a:defRPr sz="2400" kern="1200">
+        <a:defRPr sz="800" kern="1200">
           <a:solidFill>
             <a:schemeClr val="tx1"/>
           </a:solidFill>
@@ -2888,13 +2888,13 @@
           <a:cs typeface="+mn-cs"/>
         </a:defRPr>
       </a:lvl3pPr>
-      <a:lvl4pPr marL="1600200" indent="-228600" algn="l" defTabSz="914400" rtl="0" eaLnBrk="1" latinLnBrk="0" hangingPunct="1">
+      <a:lvl4pPr marL="504135" indent="-72019" algn="l" defTabSz="288077" rtl="0" eaLnBrk="1" latinLnBrk="0" hangingPunct="1">
         <a:spcBef>
           <a:spcPct val="20000"/>
         </a:spcBef>
         <a:buFont typeface="Arial" pitchFamily="34" charset="0"/>
         <a:buChar char="–"/>
-        <a:defRPr sz="2000" kern="1200">
+        <a:defRPr sz="600" kern="1200">
           <a:solidFill>
             <a:schemeClr val="tx1"/>
           </a:solidFill>
@@ -2903,13 +2903,13 @@
           <a:cs typeface="+mn-cs"/>
         </a:defRPr>
       </a:lvl4pPr>
-      <a:lvl5pPr marL="2057400" indent="-228600" algn="l" defTabSz="914400" rtl="0" eaLnBrk="1" latinLnBrk="0" hangingPunct="1">
+      <a:lvl5pPr marL="648174" indent="-72019" algn="l" defTabSz="288077" rtl="0" eaLnBrk="1" latinLnBrk="0" hangingPunct="1">
         <a:spcBef>
           <a:spcPct val="20000"/>
         </a:spcBef>
         <a:buFont typeface="Arial" pitchFamily="34" charset="0"/>
         <a:buChar char="»"/>
-        <a:defRPr sz="2000" kern="1200">
+        <a:defRPr sz="600" kern="1200">
           <a:solidFill>
             <a:schemeClr val="tx1"/>
           </a:solidFill>
@@ -2918,13 +2918,13 @@
           <a:cs typeface="+mn-cs"/>
         </a:defRPr>
       </a:lvl5pPr>
-      <a:lvl6pPr marL="2514600" indent="-228600" algn="l" defTabSz="914400" rtl="0" eaLnBrk="1" latinLnBrk="0" hangingPunct="1">
+      <a:lvl6pPr marL="792212" indent="-72019" algn="l" defTabSz="288077" rtl="0" eaLnBrk="1" latinLnBrk="0" hangingPunct="1">
         <a:spcBef>
           <a:spcPct val="20000"/>
         </a:spcBef>
         <a:buFont typeface="Arial" pitchFamily="34" charset="0"/>
         <a:buChar char="•"/>
-        <a:defRPr sz="2000" kern="1200">
+        <a:defRPr sz="600" kern="1200">
           <a:solidFill>
             <a:schemeClr val="tx1"/>
           </a:solidFill>
@@ -2933,13 +2933,13 @@
           <a:cs typeface="+mn-cs"/>
         </a:defRPr>
       </a:lvl6pPr>
-      <a:lvl7pPr marL="2971800" indent="-228600" algn="l" defTabSz="914400" rtl="0" eaLnBrk="1" latinLnBrk="0" hangingPunct="1">
+      <a:lvl7pPr marL="936251" indent="-72019" algn="l" defTabSz="288077" rtl="0" eaLnBrk="1" latinLnBrk="0" hangingPunct="1">
         <a:spcBef>
           <a:spcPct val="20000"/>
         </a:spcBef>
         <a:buFont typeface="Arial" pitchFamily="34" charset="0"/>
         <a:buChar char="•"/>
-        <a:defRPr sz="2000" kern="1200">
+        <a:defRPr sz="600" kern="1200">
           <a:solidFill>
             <a:schemeClr val="tx1"/>
           </a:solidFill>
@@ -2948,13 +2948,13 @@
           <a:cs typeface="+mn-cs"/>
         </a:defRPr>
       </a:lvl7pPr>
-      <a:lvl8pPr marL="3429000" indent="-228600" algn="l" defTabSz="914400" rtl="0" eaLnBrk="1" latinLnBrk="0" hangingPunct="1">
+      <a:lvl8pPr marL="1080289" indent="-72019" algn="l" defTabSz="288077" rtl="0" eaLnBrk="1" latinLnBrk="0" hangingPunct="1">
         <a:spcBef>
           <a:spcPct val="20000"/>
         </a:spcBef>
         <a:buFont typeface="Arial" pitchFamily="34" charset="0"/>
         <a:buChar char="•"/>
-        <a:defRPr sz="2000" kern="1200">
+        <a:defRPr sz="600" kern="1200">
           <a:solidFill>
             <a:schemeClr val="tx1"/>
           </a:solidFill>
@@ -2963,13 +2963,13 @@
           <a:cs typeface="+mn-cs"/>
         </a:defRPr>
       </a:lvl8pPr>
-      <a:lvl9pPr marL="3886200" indent="-228600" algn="l" defTabSz="914400" rtl="0" eaLnBrk="1" latinLnBrk="0" hangingPunct="1">
+      <a:lvl9pPr marL="1224328" indent="-72019" algn="l" defTabSz="288077" rtl="0" eaLnBrk="1" latinLnBrk="0" hangingPunct="1">
         <a:spcBef>
           <a:spcPct val="20000"/>
         </a:spcBef>
         <a:buFont typeface="Arial" pitchFamily="34" charset="0"/>
         <a:buChar char="•"/>
-        <a:defRPr sz="2000" kern="1200">
+        <a:defRPr sz="600" kern="1200">
           <a:solidFill>
             <a:schemeClr val="tx1"/>
           </a:solidFill>
@@ -2983,8 +2983,8 @@
       <a:defPPr>
         <a:defRPr lang="es-ES"/>
       </a:defPPr>
-      <a:lvl1pPr marL="0" algn="l" defTabSz="914400" rtl="0" eaLnBrk="1" latinLnBrk="0" hangingPunct="1">
-        <a:defRPr sz="1800" kern="1200">
+      <a:lvl1pPr marL="0" algn="l" defTabSz="288077" rtl="0" eaLnBrk="1" latinLnBrk="0" hangingPunct="1">
+        <a:defRPr sz="600" kern="1200">
           <a:solidFill>
             <a:schemeClr val="tx1"/>
           </a:solidFill>
@@ -2993,8 +2993,8 @@
           <a:cs typeface="+mn-cs"/>
         </a:defRPr>
       </a:lvl1pPr>
-      <a:lvl2pPr marL="457200" algn="l" defTabSz="914400" rtl="0" eaLnBrk="1" latinLnBrk="0" hangingPunct="1">
-        <a:defRPr sz="1800" kern="1200">
+      <a:lvl2pPr marL="144039" algn="l" defTabSz="288077" rtl="0" eaLnBrk="1" latinLnBrk="0" hangingPunct="1">
+        <a:defRPr sz="600" kern="1200">
           <a:solidFill>
             <a:schemeClr val="tx1"/>
           </a:solidFill>
@@ -3003,8 +3003,8 @@
           <a:cs typeface="+mn-cs"/>
         </a:defRPr>
       </a:lvl2pPr>
-      <a:lvl3pPr marL="914400" algn="l" defTabSz="914400" rtl="0" eaLnBrk="1" latinLnBrk="0" hangingPunct="1">
-        <a:defRPr sz="1800" kern="1200">
+      <a:lvl3pPr marL="288077" algn="l" defTabSz="288077" rtl="0" eaLnBrk="1" latinLnBrk="0" hangingPunct="1">
+        <a:defRPr sz="600" kern="1200">
           <a:solidFill>
             <a:schemeClr val="tx1"/>
           </a:solidFill>
@@ -3013,8 +3013,8 @@
           <a:cs typeface="+mn-cs"/>
         </a:defRPr>
       </a:lvl3pPr>
-      <a:lvl4pPr marL="1371600" algn="l" defTabSz="914400" rtl="0" eaLnBrk="1" latinLnBrk="0" hangingPunct="1">
-        <a:defRPr sz="1800" kern="1200">
+      <a:lvl4pPr marL="432116" algn="l" defTabSz="288077" rtl="0" eaLnBrk="1" latinLnBrk="0" hangingPunct="1">
+        <a:defRPr sz="600" kern="1200">
           <a:solidFill>
             <a:schemeClr val="tx1"/>
           </a:solidFill>
@@ -3023,8 +3023,8 @@
           <a:cs typeface="+mn-cs"/>
         </a:defRPr>
       </a:lvl4pPr>
-      <a:lvl5pPr marL="1828800" algn="l" defTabSz="914400" rtl="0" eaLnBrk="1" latinLnBrk="0" hangingPunct="1">
-        <a:defRPr sz="1800" kern="1200">
+      <a:lvl5pPr marL="576154" algn="l" defTabSz="288077" rtl="0" eaLnBrk="1" latinLnBrk="0" hangingPunct="1">
+        <a:defRPr sz="600" kern="1200">
           <a:solidFill>
             <a:schemeClr val="tx1"/>
           </a:solidFill>
@@ -3033,8 +3033,8 @@
           <a:cs typeface="+mn-cs"/>
         </a:defRPr>
       </a:lvl5pPr>
-      <a:lvl6pPr marL="2286000" algn="l" defTabSz="914400" rtl="0" eaLnBrk="1" latinLnBrk="0" hangingPunct="1">
-        <a:defRPr sz="1800" kern="1200">
+      <a:lvl6pPr marL="720193" algn="l" defTabSz="288077" rtl="0" eaLnBrk="1" latinLnBrk="0" hangingPunct="1">
+        <a:defRPr sz="600" kern="1200">
           <a:solidFill>
             <a:schemeClr val="tx1"/>
           </a:solidFill>
@@ -3043,8 +3043,8 @@
           <a:cs typeface="+mn-cs"/>
         </a:defRPr>
       </a:lvl6pPr>
-      <a:lvl7pPr marL="2743200" algn="l" defTabSz="914400" rtl="0" eaLnBrk="1" latinLnBrk="0" hangingPunct="1">
-        <a:defRPr sz="1800" kern="1200">
+      <a:lvl7pPr marL="864231" algn="l" defTabSz="288077" rtl="0" eaLnBrk="1" latinLnBrk="0" hangingPunct="1">
+        <a:defRPr sz="600" kern="1200">
           <a:solidFill>
             <a:schemeClr val="tx1"/>
           </a:solidFill>
@@ -3053,8 +3053,8 @@
           <a:cs typeface="+mn-cs"/>
         </a:defRPr>
       </a:lvl7pPr>
-      <a:lvl8pPr marL="3200400" algn="l" defTabSz="914400" rtl="0" eaLnBrk="1" latinLnBrk="0" hangingPunct="1">
-        <a:defRPr sz="1800" kern="1200">
+      <a:lvl8pPr marL="1008270" algn="l" defTabSz="288077" rtl="0" eaLnBrk="1" latinLnBrk="0" hangingPunct="1">
+        <a:defRPr sz="600" kern="1200">
           <a:solidFill>
             <a:schemeClr val="tx1"/>
           </a:solidFill>
@@ -3063,8 +3063,8 @@
           <a:cs typeface="+mn-cs"/>
         </a:defRPr>
       </a:lvl8pPr>
-      <a:lvl9pPr marL="3657600" algn="l" defTabSz="914400" rtl="0" eaLnBrk="1" latinLnBrk="0" hangingPunct="1">
-        <a:defRPr sz="1800" kern="1200">
+      <a:lvl9pPr marL="1152309" algn="l" defTabSz="288077" rtl="0" eaLnBrk="1" latinLnBrk="0" hangingPunct="1">
+        <a:defRPr sz="600" kern="1200">
           <a:solidFill>
             <a:schemeClr val="tx1"/>
           </a:solidFill>
@@ -3097,13 +3097,13 @@
       </p:grpSpPr>
       <p:cxnSp>
         <p:nvCxnSpPr>
-          <p:cNvPr id="4" name="3 Conector recto de flecha"/>
+          <p:cNvPr id="36" name="35 Conector recto de flecha"/>
           <p:cNvCxnSpPr/>
           <p:nvPr/>
         </p:nvCxnSpPr>
         <p:spPr>
-          <a:xfrm flipV="1">
-            <a:off x="4211960" y="1412776"/>
+          <a:xfrm flipH="1" flipV="1">
+            <a:off x="1079822" y="504081"/>
             <a:ext cx="0" cy="1728192"/>
           </a:xfrm>
           <a:prstGeom prst="straightConnector1">
@@ -3130,13 +3130,13 @@
       </p:cxnSp>
       <p:cxnSp>
         <p:nvCxnSpPr>
-          <p:cNvPr id="5" name="4 Conector recto de flecha"/>
+          <p:cNvPr id="37" name="36 Conector recto de flecha"/>
           <p:cNvCxnSpPr/>
           <p:nvPr/>
         </p:nvCxnSpPr>
         <p:spPr>
-          <a:xfrm flipH="1">
-            <a:off x="2483768" y="3140968"/>
+          <a:xfrm>
+            <a:off x="1079822" y="2232273"/>
             <a:ext cx="1728192" cy="0"/>
           </a:xfrm>
           <a:prstGeom prst="straightConnector1">
@@ -3163,13 +3163,13 @@
       </p:cxnSp>
       <p:sp>
         <p:nvSpPr>
-          <p:cNvPr id="6" name="5 Elipse"/>
+          <p:cNvPr id="38" name="37 Elipse"/>
           <p:cNvSpPr/>
           <p:nvPr/>
         </p:nvSpPr>
         <p:spPr>
-          <a:xfrm>
-            <a:off x="4020999" y="2996952"/>
+          <a:xfrm flipH="1">
+            <a:off x="888861" y="2088257"/>
             <a:ext cx="360040" cy="288032"/>
           </a:xfrm>
           <a:prstGeom prst="ellipse">
@@ -3206,16 +3206,13 @@
       </p:sp>
       <p:cxnSp>
         <p:nvCxnSpPr>
-          <p:cNvPr id="7" name="6 Conector recto"/>
-          <p:cNvCxnSpPr>
-            <a:stCxn id="6" idx="1"/>
-            <a:endCxn id="6" idx="5"/>
-          </p:cNvCxnSpPr>
+          <p:cNvPr id="39" name="38 Conector recto"/>
+          <p:cNvCxnSpPr/>
           <p:nvPr/>
         </p:nvCxnSpPr>
         <p:spPr>
           <a:xfrm>
-            <a:off x="4073726" y="3039133"/>
+            <a:off x="941588" y="2130438"/>
             <a:ext cx="254586" cy="203670"/>
           </a:xfrm>
           <a:prstGeom prst="line">
@@ -3240,16 +3237,13 @@
       </p:cxnSp>
       <p:cxnSp>
         <p:nvCxnSpPr>
-          <p:cNvPr id="8" name="7 Conector recto"/>
-          <p:cNvCxnSpPr>
-            <a:stCxn id="6" idx="7"/>
-            <a:endCxn id="6" idx="3"/>
-          </p:cNvCxnSpPr>
+          <p:cNvPr id="40" name="39 Conector recto"/>
+          <p:cNvCxnSpPr/>
           <p:nvPr/>
         </p:nvCxnSpPr>
         <p:spPr>
           <a:xfrm flipH="1">
-            <a:off x="4073726" y="3039133"/>
+            <a:off x="941588" y="2130438"/>
             <a:ext cx="254586" cy="203670"/>
           </a:xfrm>
           <a:prstGeom prst="line">
@@ -3274,13 +3268,13 @@
       </p:cxnSp>
       <p:sp>
         <p:nvSpPr>
-          <p:cNvPr id="9" name="8 Flecha curvada hacia abajo"/>
+          <p:cNvPr id="41" name="40 Flecha curvada hacia abajo"/>
           <p:cNvSpPr/>
           <p:nvPr/>
         </p:nvSpPr>
         <p:spPr>
-          <a:xfrm flipH="1">
-            <a:off x="3552946" y="2434744"/>
+          <a:xfrm>
+            <a:off x="420808" y="1526049"/>
             <a:ext cx="1296146" cy="576063"/>
           </a:xfrm>
           <a:prstGeom prst="curvedDownArrow">
@@ -3321,14 +3315,14 @@
       </p:sp>
       <p:sp>
         <p:nvSpPr>
-          <p:cNvPr id="10" name="9 CuadroTexto"/>
+          <p:cNvPr id="42" name="41 CuadroTexto"/>
           <p:cNvSpPr txBox="1"/>
           <p:nvPr/>
         </p:nvSpPr>
         <p:spPr>
-          <a:xfrm>
-            <a:off x="5004048" y="2722775"/>
-            <a:ext cx="288032" cy="369332"/>
+          <a:xfrm flipH="1">
+            <a:off x="71710" y="1814080"/>
+            <a:ext cx="288032" cy="400110"/>
           </a:xfrm>
           <a:prstGeom prst="rect">
             <a:avLst/>
@@ -3342,23 +3336,23 @@
           <a:lstStyle/>
           <a:p>
             <a:r>
-              <a:rPr lang="es-ES" b="1" dirty="0" smtClean="0"/>
+              <a:rPr lang="es-ES" sz="2000" b="1" dirty="0" smtClean="0"/>
               <a:t>-</a:t>
             </a:r>
-            <a:endParaRPr lang="es-ES" b="1" dirty="0"/>
-          </a:p>
-        </p:txBody>
-      </p:sp>
-      <p:sp>
-        <p:nvSpPr>
-          <p:cNvPr id="11" name="10 CuadroTexto"/>
+            <a:endParaRPr lang="es-ES" sz="2000" b="1" dirty="0"/>
+          </a:p>
+        </p:txBody>
+      </p:sp>
+      <p:sp>
+        <p:nvSpPr>
+          <p:cNvPr id="43" name="42 CuadroTexto"/>
           <p:cNvSpPr txBox="1"/>
           <p:nvPr/>
         </p:nvSpPr>
         <p:spPr>
-          <a:xfrm>
-            <a:off x="3131840" y="2722775"/>
-            <a:ext cx="288032" cy="369332"/>
+          <a:xfrm flipH="1">
+            <a:off x="1799902" y="1814080"/>
+            <a:ext cx="288032" cy="323165"/>
           </a:xfrm>
           <a:prstGeom prst="rect">
             <a:avLst/>
@@ -3372,10 +3366,10 @@
           <a:lstStyle/>
           <a:p>
             <a:r>
-              <a:rPr lang="es-ES" b="1" dirty="0" smtClean="0"/>
+              <a:rPr lang="es-ES" sz="1500" b="1" dirty="0" smtClean="0"/>
               <a:t>+</a:t>
             </a:r>
-            <a:endParaRPr lang="es-ES" b="1" dirty="0"/>
+            <a:endParaRPr lang="es-ES" sz="1500" b="1" dirty="0"/>
           </a:p>
         </p:txBody>
       </p:sp>
